--- a/ppt 16-9/0803.很多人爱心冷淡.pptx
+++ b/ppt 16-9/0803.很多人爱心冷淡.pptx
@@ -5,7 +5,7 @@
     <p:sldMasterId id="2147483648" r:id="rId1"/>
   </p:sldMasterIdLst>
   <p:sldIdLst>
-    <p:sldId id="2074" r:id="rId2"/>
+    <p:sldId id="2075" r:id="rId2"/>
   </p:sldIdLst>
   <p:sldSz cx="12192000" cy="6858000"/>
   <p:notesSz cx="6858000" cy="9144000"/>
@@ -129,7 +129,7 @@
           <p:cNvPr id="2" name="标题 1">
             <a:extLst>
               <a:ext uri="{FF2B5EF4-FFF2-40B4-BE49-F238E27FC236}">
-                <a16:creationId xmlns:a16="http://schemas.microsoft.com/office/drawing/2014/main" id="{2F76ABEE-147B-F82D-5245-5D7653A615DA}"/>
+                <a16:creationId xmlns:a16="http://schemas.microsoft.com/office/drawing/2014/main" id="{6353B3D1-A0CE-EE0D-4683-35301529B7BB}"/>
               </a:ext>
             </a:extLst>
           </p:cNvPr>
@@ -166,7 +166,7 @@
           <p:cNvPr id="3" name="副标题 2">
             <a:extLst>
               <a:ext uri="{FF2B5EF4-FFF2-40B4-BE49-F238E27FC236}">
-                <a16:creationId xmlns:a16="http://schemas.microsoft.com/office/drawing/2014/main" id="{D4E9DE64-25C2-CBC7-0762-C31D5BCDB756}"/>
+                <a16:creationId xmlns:a16="http://schemas.microsoft.com/office/drawing/2014/main" id="{352AC038-18E9-52DE-CBEB-E613A8FEF9E7}"/>
               </a:ext>
             </a:extLst>
           </p:cNvPr>
@@ -236,7 +236,7 @@
           <p:cNvPr id="4" name="日期占位符 3">
             <a:extLst>
               <a:ext uri="{FF2B5EF4-FFF2-40B4-BE49-F238E27FC236}">
-                <a16:creationId xmlns:a16="http://schemas.microsoft.com/office/drawing/2014/main" id="{06871B1A-C3DF-EA75-296C-1071FFF613FA}"/>
+                <a16:creationId xmlns:a16="http://schemas.microsoft.com/office/drawing/2014/main" id="{681FB7EE-C8A0-248E-880C-053F4A6CEBBA}"/>
               </a:ext>
             </a:extLst>
           </p:cNvPr>
@@ -252,7 +252,7 @@
           <a:bodyPr/>
           <a:lstStyle/>
           <a:p>
-            <a:fld id="{E55EC8CA-41A0-4C8F-97F3-817D8649297D}" type="datetimeFigureOut">
+            <a:fld id="{0E733374-7D55-4D58-9EDE-CF0C1F04329F}" type="datetimeFigureOut">
               <a:rPr lang="zh-CN" altLang="en-US" smtClean="0"/>
               <a:t>2024/3/10</a:t>
             </a:fld>
@@ -265,7 +265,7 @@
           <p:cNvPr id="5" name="页脚占位符 4">
             <a:extLst>
               <a:ext uri="{FF2B5EF4-FFF2-40B4-BE49-F238E27FC236}">
-                <a16:creationId xmlns:a16="http://schemas.microsoft.com/office/drawing/2014/main" id="{21DEF071-3D8A-25B1-9173-E57626C0A332}"/>
+                <a16:creationId xmlns:a16="http://schemas.microsoft.com/office/drawing/2014/main" id="{855DFC4B-851E-0951-E441-6AB3723243F6}"/>
               </a:ext>
             </a:extLst>
           </p:cNvPr>
@@ -290,7 +290,7 @@
           <p:cNvPr id="6" name="灯片编号占位符 5">
             <a:extLst>
               <a:ext uri="{FF2B5EF4-FFF2-40B4-BE49-F238E27FC236}">
-                <a16:creationId xmlns:a16="http://schemas.microsoft.com/office/drawing/2014/main" id="{38C83AE6-90EB-942E-E6E0-80F7B2410738}"/>
+                <a16:creationId xmlns:a16="http://schemas.microsoft.com/office/drawing/2014/main" id="{0620748C-AF2D-23B2-3944-530D7971A647}"/>
               </a:ext>
             </a:extLst>
           </p:cNvPr>
@@ -306,7 +306,7 @@
           <a:bodyPr/>
           <a:lstStyle/>
           <a:p>
-            <a:fld id="{E9E5CF36-CE74-4343-A4C7-6E78B6D0F042}" type="slidenum">
+            <a:fld id="{5FBFE05B-7B98-4FEA-B51B-59A71F1B32EB}" type="slidenum">
               <a:rPr lang="zh-CN" altLang="en-US" smtClean="0"/>
               <a:t>‹#›</a:t>
             </a:fld>
@@ -317,7 +317,7 @@
     </p:spTree>
     <p:extLst>
       <p:ext uri="{BB962C8B-B14F-4D97-AF65-F5344CB8AC3E}">
-        <p14:creationId xmlns:p14="http://schemas.microsoft.com/office/powerpoint/2010/main" val="2341895280"/>
+        <p14:creationId xmlns:p14="http://schemas.microsoft.com/office/powerpoint/2010/main" val="2067402978"/>
       </p:ext>
     </p:extLst>
   </p:cSld>
@@ -349,7 +349,7 @@
           <p:cNvPr id="2" name="标题 1">
             <a:extLst>
               <a:ext uri="{FF2B5EF4-FFF2-40B4-BE49-F238E27FC236}">
-                <a16:creationId xmlns:a16="http://schemas.microsoft.com/office/drawing/2014/main" id="{2219B400-0D11-2DBB-271F-5320353A9659}"/>
+                <a16:creationId xmlns:a16="http://schemas.microsoft.com/office/drawing/2014/main" id="{B1E46159-2F8D-FAD5-2B05-A6C5E1156F29}"/>
               </a:ext>
             </a:extLst>
           </p:cNvPr>
@@ -377,7 +377,7 @@
           <p:cNvPr id="3" name="竖排文字占位符 2">
             <a:extLst>
               <a:ext uri="{FF2B5EF4-FFF2-40B4-BE49-F238E27FC236}">
-                <a16:creationId xmlns:a16="http://schemas.microsoft.com/office/drawing/2014/main" id="{7F42C9BE-F34F-9649-47C9-B55176A6F2D4}"/>
+                <a16:creationId xmlns:a16="http://schemas.microsoft.com/office/drawing/2014/main" id="{09108D41-D82D-9ADD-0D98-655D0FD4A4D2}"/>
               </a:ext>
             </a:extLst>
           </p:cNvPr>
@@ -434,7 +434,7 @@
           <p:cNvPr id="4" name="日期占位符 3">
             <a:extLst>
               <a:ext uri="{FF2B5EF4-FFF2-40B4-BE49-F238E27FC236}">
-                <a16:creationId xmlns:a16="http://schemas.microsoft.com/office/drawing/2014/main" id="{251BF043-CC37-10AE-5413-A11A2D7B7D2F}"/>
+                <a16:creationId xmlns:a16="http://schemas.microsoft.com/office/drawing/2014/main" id="{41D3F691-5E1F-5648-51AE-E0D8AD2313DA}"/>
               </a:ext>
             </a:extLst>
           </p:cNvPr>
@@ -450,7 +450,7 @@
           <a:bodyPr/>
           <a:lstStyle/>
           <a:p>
-            <a:fld id="{E55EC8CA-41A0-4C8F-97F3-817D8649297D}" type="datetimeFigureOut">
+            <a:fld id="{0E733374-7D55-4D58-9EDE-CF0C1F04329F}" type="datetimeFigureOut">
               <a:rPr lang="zh-CN" altLang="en-US" smtClean="0"/>
               <a:t>2024/3/10</a:t>
             </a:fld>
@@ -463,7 +463,7 @@
           <p:cNvPr id="5" name="页脚占位符 4">
             <a:extLst>
               <a:ext uri="{FF2B5EF4-FFF2-40B4-BE49-F238E27FC236}">
-                <a16:creationId xmlns:a16="http://schemas.microsoft.com/office/drawing/2014/main" id="{E96C669A-507D-910A-C295-770161E97E78}"/>
+                <a16:creationId xmlns:a16="http://schemas.microsoft.com/office/drawing/2014/main" id="{8E7A2C66-B759-CBB0-737F-13AE9FF31F81}"/>
               </a:ext>
             </a:extLst>
           </p:cNvPr>
@@ -488,7 +488,7 @@
           <p:cNvPr id="6" name="灯片编号占位符 5">
             <a:extLst>
               <a:ext uri="{FF2B5EF4-FFF2-40B4-BE49-F238E27FC236}">
-                <a16:creationId xmlns:a16="http://schemas.microsoft.com/office/drawing/2014/main" id="{60BADEFC-5E56-73D0-A87F-544B18AE2C0B}"/>
+                <a16:creationId xmlns:a16="http://schemas.microsoft.com/office/drawing/2014/main" id="{9AD0A643-2AD4-ABC7-5A70-B812B60E680A}"/>
               </a:ext>
             </a:extLst>
           </p:cNvPr>
@@ -504,7 +504,7 @@
           <a:bodyPr/>
           <a:lstStyle/>
           <a:p>
-            <a:fld id="{E9E5CF36-CE74-4343-A4C7-6E78B6D0F042}" type="slidenum">
+            <a:fld id="{5FBFE05B-7B98-4FEA-B51B-59A71F1B32EB}" type="slidenum">
               <a:rPr lang="zh-CN" altLang="en-US" smtClean="0"/>
               <a:t>‹#›</a:t>
             </a:fld>
@@ -515,7 +515,7 @@
     </p:spTree>
     <p:extLst>
       <p:ext uri="{BB962C8B-B14F-4D97-AF65-F5344CB8AC3E}">
-        <p14:creationId xmlns:p14="http://schemas.microsoft.com/office/powerpoint/2010/main" val="2550219296"/>
+        <p14:creationId xmlns:p14="http://schemas.microsoft.com/office/powerpoint/2010/main" val="2930710273"/>
       </p:ext>
     </p:extLst>
   </p:cSld>
@@ -547,7 +547,7 @@
           <p:cNvPr id="2" name="竖排标题 1">
             <a:extLst>
               <a:ext uri="{FF2B5EF4-FFF2-40B4-BE49-F238E27FC236}">
-                <a16:creationId xmlns:a16="http://schemas.microsoft.com/office/drawing/2014/main" id="{B667E788-A668-6FE7-F0F3-4440912F0145}"/>
+                <a16:creationId xmlns:a16="http://schemas.microsoft.com/office/drawing/2014/main" id="{C3E4567B-3FB9-7279-2F6F-1076292228AE}"/>
               </a:ext>
             </a:extLst>
           </p:cNvPr>
@@ -580,7 +580,7 @@
           <p:cNvPr id="3" name="竖排文字占位符 2">
             <a:extLst>
               <a:ext uri="{FF2B5EF4-FFF2-40B4-BE49-F238E27FC236}">
-                <a16:creationId xmlns:a16="http://schemas.microsoft.com/office/drawing/2014/main" id="{0D8D4BFC-E9EE-2FAE-00EC-53D1FB5EA01F}"/>
+                <a16:creationId xmlns:a16="http://schemas.microsoft.com/office/drawing/2014/main" id="{4CAF64F0-3563-9AC7-4F7F-ED0076BF82E5}"/>
               </a:ext>
             </a:extLst>
           </p:cNvPr>
@@ -642,7 +642,7 @@
           <p:cNvPr id="4" name="日期占位符 3">
             <a:extLst>
               <a:ext uri="{FF2B5EF4-FFF2-40B4-BE49-F238E27FC236}">
-                <a16:creationId xmlns:a16="http://schemas.microsoft.com/office/drawing/2014/main" id="{1927FCA4-917F-359C-A7EE-8C1B331FC162}"/>
+                <a16:creationId xmlns:a16="http://schemas.microsoft.com/office/drawing/2014/main" id="{22E4619F-C654-2199-C83A-2D0368E9EFF0}"/>
               </a:ext>
             </a:extLst>
           </p:cNvPr>
@@ -658,7 +658,7 @@
           <a:bodyPr/>
           <a:lstStyle/>
           <a:p>
-            <a:fld id="{E55EC8CA-41A0-4C8F-97F3-817D8649297D}" type="datetimeFigureOut">
+            <a:fld id="{0E733374-7D55-4D58-9EDE-CF0C1F04329F}" type="datetimeFigureOut">
               <a:rPr lang="zh-CN" altLang="en-US" smtClean="0"/>
               <a:t>2024/3/10</a:t>
             </a:fld>
@@ -671,7 +671,7 @@
           <p:cNvPr id="5" name="页脚占位符 4">
             <a:extLst>
               <a:ext uri="{FF2B5EF4-FFF2-40B4-BE49-F238E27FC236}">
-                <a16:creationId xmlns:a16="http://schemas.microsoft.com/office/drawing/2014/main" id="{E88C1711-B36B-4F53-9413-7AE626FC2029}"/>
+                <a16:creationId xmlns:a16="http://schemas.microsoft.com/office/drawing/2014/main" id="{06616825-13C0-A947-6781-3CFCD3C4565F}"/>
               </a:ext>
             </a:extLst>
           </p:cNvPr>
@@ -696,7 +696,7 @@
           <p:cNvPr id="6" name="灯片编号占位符 5">
             <a:extLst>
               <a:ext uri="{FF2B5EF4-FFF2-40B4-BE49-F238E27FC236}">
-                <a16:creationId xmlns:a16="http://schemas.microsoft.com/office/drawing/2014/main" id="{FB54FA74-8374-C83D-C0C5-E8559D498DEE}"/>
+                <a16:creationId xmlns:a16="http://schemas.microsoft.com/office/drawing/2014/main" id="{233F17AC-A5E8-9C11-4B34-907ADA6C95DF}"/>
               </a:ext>
             </a:extLst>
           </p:cNvPr>
@@ -712,7 +712,7 @@
           <a:bodyPr/>
           <a:lstStyle/>
           <a:p>
-            <a:fld id="{E9E5CF36-CE74-4343-A4C7-6E78B6D0F042}" type="slidenum">
+            <a:fld id="{5FBFE05B-7B98-4FEA-B51B-59A71F1B32EB}" type="slidenum">
               <a:rPr lang="zh-CN" altLang="en-US" smtClean="0"/>
               <a:t>‹#›</a:t>
             </a:fld>
@@ -723,7 +723,7 @@
     </p:spTree>
     <p:extLst>
       <p:ext uri="{BB962C8B-B14F-4D97-AF65-F5344CB8AC3E}">
-        <p14:creationId xmlns:p14="http://schemas.microsoft.com/office/powerpoint/2010/main" val="1624741874"/>
+        <p14:creationId xmlns:p14="http://schemas.microsoft.com/office/powerpoint/2010/main" val="3793427073"/>
       </p:ext>
     </p:extLst>
   </p:cSld>
@@ -755,7 +755,7 @@
           <p:cNvPr id="2" name="标题 1">
             <a:extLst>
               <a:ext uri="{FF2B5EF4-FFF2-40B4-BE49-F238E27FC236}">
-                <a16:creationId xmlns:a16="http://schemas.microsoft.com/office/drawing/2014/main" id="{611EE8BA-A999-552E-680B-2C005B886475}"/>
+                <a16:creationId xmlns:a16="http://schemas.microsoft.com/office/drawing/2014/main" id="{CFE70AC8-D1C9-2AEF-33C2-8C612CA7F2C3}"/>
               </a:ext>
             </a:extLst>
           </p:cNvPr>
@@ -783,7 +783,7 @@
           <p:cNvPr id="3" name="内容占位符 2">
             <a:extLst>
               <a:ext uri="{FF2B5EF4-FFF2-40B4-BE49-F238E27FC236}">
-                <a16:creationId xmlns:a16="http://schemas.microsoft.com/office/drawing/2014/main" id="{835979D9-3DB3-5691-921E-9A265D91FEA3}"/>
+                <a16:creationId xmlns:a16="http://schemas.microsoft.com/office/drawing/2014/main" id="{42E86D89-FFE2-88F1-8D8B-0BF9009E6D1C}"/>
               </a:ext>
             </a:extLst>
           </p:cNvPr>
@@ -840,7 +840,7 @@
           <p:cNvPr id="4" name="日期占位符 3">
             <a:extLst>
               <a:ext uri="{FF2B5EF4-FFF2-40B4-BE49-F238E27FC236}">
-                <a16:creationId xmlns:a16="http://schemas.microsoft.com/office/drawing/2014/main" id="{74E2FDA0-8174-BFE2-5580-1AFB6AB303DA}"/>
+                <a16:creationId xmlns:a16="http://schemas.microsoft.com/office/drawing/2014/main" id="{AB9631CB-C1F8-8A1A-E3BE-F5760D012DEB}"/>
               </a:ext>
             </a:extLst>
           </p:cNvPr>
@@ -856,7 +856,7 @@
           <a:bodyPr/>
           <a:lstStyle/>
           <a:p>
-            <a:fld id="{E55EC8CA-41A0-4C8F-97F3-817D8649297D}" type="datetimeFigureOut">
+            <a:fld id="{0E733374-7D55-4D58-9EDE-CF0C1F04329F}" type="datetimeFigureOut">
               <a:rPr lang="zh-CN" altLang="en-US" smtClean="0"/>
               <a:t>2024/3/10</a:t>
             </a:fld>
@@ -869,7 +869,7 @@
           <p:cNvPr id="5" name="页脚占位符 4">
             <a:extLst>
               <a:ext uri="{FF2B5EF4-FFF2-40B4-BE49-F238E27FC236}">
-                <a16:creationId xmlns:a16="http://schemas.microsoft.com/office/drawing/2014/main" id="{601BEA7F-F8E4-8117-C04C-A47EAED0E7C2}"/>
+                <a16:creationId xmlns:a16="http://schemas.microsoft.com/office/drawing/2014/main" id="{1809FA20-A601-58EC-46F2-251CED0E5F59}"/>
               </a:ext>
             </a:extLst>
           </p:cNvPr>
@@ -894,7 +894,7 @@
           <p:cNvPr id="6" name="灯片编号占位符 5">
             <a:extLst>
               <a:ext uri="{FF2B5EF4-FFF2-40B4-BE49-F238E27FC236}">
-                <a16:creationId xmlns:a16="http://schemas.microsoft.com/office/drawing/2014/main" id="{7EBB1BD2-99F7-1DEF-EBAC-44D0F0915104}"/>
+                <a16:creationId xmlns:a16="http://schemas.microsoft.com/office/drawing/2014/main" id="{A00243C9-778E-8710-158A-0E21E1A63AFB}"/>
               </a:ext>
             </a:extLst>
           </p:cNvPr>
@@ -910,7 +910,7 @@
           <a:bodyPr/>
           <a:lstStyle/>
           <a:p>
-            <a:fld id="{E9E5CF36-CE74-4343-A4C7-6E78B6D0F042}" type="slidenum">
+            <a:fld id="{5FBFE05B-7B98-4FEA-B51B-59A71F1B32EB}" type="slidenum">
               <a:rPr lang="zh-CN" altLang="en-US" smtClean="0"/>
               <a:t>‹#›</a:t>
             </a:fld>
@@ -921,7 +921,7 @@
     </p:spTree>
     <p:extLst>
       <p:ext uri="{BB962C8B-B14F-4D97-AF65-F5344CB8AC3E}">
-        <p14:creationId xmlns:p14="http://schemas.microsoft.com/office/powerpoint/2010/main" val="1640877812"/>
+        <p14:creationId xmlns:p14="http://schemas.microsoft.com/office/powerpoint/2010/main" val="2837588372"/>
       </p:ext>
     </p:extLst>
   </p:cSld>
@@ -953,7 +953,7 @@
           <p:cNvPr id="2" name="标题 1">
             <a:extLst>
               <a:ext uri="{FF2B5EF4-FFF2-40B4-BE49-F238E27FC236}">
-                <a16:creationId xmlns:a16="http://schemas.microsoft.com/office/drawing/2014/main" id="{10A9B281-935B-E276-5BDA-CA4CF86447E8}"/>
+                <a16:creationId xmlns:a16="http://schemas.microsoft.com/office/drawing/2014/main" id="{66210167-99DB-F3AA-B545-69500E46509F}"/>
               </a:ext>
             </a:extLst>
           </p:cNvPr>
@@ -990,7 +990,7 @@
           <p:cNvPr id="3" name="文本占位符 2">
             <a:extLst>
               <a:ext uri="{FF2B5EF4-FFF2-40B4-BE49-F238E27FC236}">
-                <a16:creationId xmlns:a16="http://schemas.microsoft.com/office/drawing/2014/main" id="{7CB14CE1-2DBE-089D-49E4-5084A4744AE7}"/>
+                <a16:creationId xmlns:a16="http://schemas.microsoft.com/office/drawing/2014/main" id="{F8F851E1-CF43-2D2C-2D64-018504171246}"/>
               </a:ext>
             </a:extLst>
           </p:cNvPr>
@@ -1115,7 +1115,7 @@
           <p:cNvPr id="4" name="日期占位符 3">
             <a:extLst>
               <a:ext uri="{FF2B5EF4-FFF2-40B4-BE49-F238E27FC236}">
-                <a16:creationId xmlns:a16="http://schemas.microsoft.com/office/drawing/2014/main" id="{0B1A9700-4A36-3E93-F371-23D7A29140B0}"/>
+                <a16:creationId xmlns:a16="http://schemas.microsoft.com/office/drawing/2014/main" id="{DEE69E63-83F3-ADEA-3F80-649A616A2110}"/>
               </a:ext>
             </a:extLst>
           </p:cNvPr>
@@ -1131,7 +1131,7 @@
           <a:bodyPr/>
           <a:lstStyle/>
           <a:p>
-            <a:fld id="{E55EC8CA-41A0-4C8F-97F3-817D8649297D}" type="datetimeFigureOut">
+            <a:fld id="{0E733374-7D55-4D58-9EDE-CF0C1F04329F}" type="datetimeFigureOut">
               <a:rPr lang="zh-CN" altLang="en-US" smtClean="0"/>
               <a:t>2024/3/10</a:t>
             </a:fld>
@@ -1144,7 +1144,7 @@
           <p:cNvPr id="5" name="页脚占位符 4">
             <a:extLst>
               <a:ext uri="{FF2B5EF4-FFF2-40B4-BE49-F238E27FC236}">
-                <a16:creationId xmlns:a16="http://schemas.microsoft.com/office/drawing/2014/main" id="{E6BC2F67-617B-F2F7-03D0-B5B872AD9B93}"/>
+                <a16:creationId xmlns:a16="http://schemas.microsoft.com/office/drawing/2014/main" id="{FAE56DA8-1E1B-F958-BA90-C8F3A219BBD1}"/>
               </a:ext>
             </a:extLst>
           </p:cNvPr>
@@ -1169,7 +1169,7 @@
           <p:cNvPr id="6" name="灯片编号占位符 5">
             <a:extLst>
               <a:ext uri="{FF2B5EF4-FFF2-40B4-BE49-F238E27FC236}">
-                <a16:creationId xmlns:a16="http://schemas.microsoft.com/office/drawing/2014/main" id="{AAEB554D-A447-71CB-EECB-51F0DE4B4C9C}"/>
+                <a16:creationId xmlns:a16="http://schemas.microsoft.com/office/drawing/2014/main" id="{53CA92A1-C84E-D099-401A-23F7766CBBC7}"/>
               </a:ext>
             </a:extLst>
           </p:cNvPr>
@@ -1185,7 +1185,7 @@
           <a:bodyPr/>
           <a:lstStyle/>
           <a:p>
-            <a:fld id="{E9E5CF36-CE74-4343-A4C7-6E78B6D0F042}" type="slidenum">
+            <a:fld id="{5FBFE05B-7B98-4FEA-B51B-59A71F1B32EB}" type="slidenum">
               <a:rPr lang="zh-CN" altLang="en-US" smtClean="0"/>
               <a:t>‹#›</a:t>
             </a:fld>
@@ -1196,7 +1196,7 @@
     </p:spTree>
     <p:extLst>
       <p:ext uri="{BB962C8B-B14F-4D97-AF65-F5344CB8AC3E}">
-        <p14:creationId xmlns:p14="http://schemas.microsoft.com/office/powerpoint/2010/main" val="2218614008"/>
+        <p14:creationId xmlns:p14="http://schemas.microsoft.com/office/powerpoint/2010/main" val="1977500868"/>
       </p:ext>
     </p:extLst>
   </p:cSld>
@@ -1228,7 +1228,7 @@
           <p:cNvPr id="2" name="标题 1">
             <a:extLst>
               <a:ext uri="{FF2B5EF4-FFF2-40B4-BE49-F238E27FC236}">
-                <a16:creationId xmlns:a16="http://schemas.microsoft.com/office/drawing/2014/main" id="{9931A8C7-21B8-CB0A-94F7-A8F74ABCA30B}"/>
+                <a16:creationId xmlns:a16="http://schemas.microsoft.com/office/drawing/2014/main" id="{5DAD84FB-CDEA-AD52-17A9-6EF0B87BDF82}"/>
               </a:ext>
             </a:extLst>
           </p:cNvPr>
@@ -1256,7 +1256,7 @@
           <p:cNvPr id="3" name="内容占位符 2">
             <a:extLst>
               <a:ext uri="{FF2B5EF4-FFF2-40B4-BE49-F238E27FC236}">
-                <a16:creationId xmlns:a16="http://schemas.microsoft.com/office/drawing/2014/main" id="{2E61E89D-DE46-BDFE-07E2-8B9CAAF8AB18}"/>
+                <a16:creationId xmlns:a16="http://schemas.microsoft.com/office/drawing/2014/main" id="{36B9C178-9A8B-B6CB-8FEE-70712E3012D9}"/>
               </a:ext>
             </a:extLst>
           </p:cNvPr>
@@ -1318,7 +1318,7 @@
           <p:cNvPr id="4" name="内容占位符 3">
             <a:extLst>
               <a:ext uri="{FF2B5EF4-FFF2-40B4-BE49-F238E27FC236}">
-                <a16:creationId xmlns:a16="http://schemas.microsoft.com/office/drawing/2014/main" id="{EF135767-AFCD-39FD-A3AD-33E73C591354}"/>
+                <a16:creationId xmlns:a16="http://schemas.microsoft.com/office/drawing/2014/main" id="{02AD0C2C-CB5C-64C0-7153-938256D72F9E}"/>
               </a:ext>
             </a:extLst>
           </p:cNvPr>
@@ -1380,7 +1380,7 @@
           <p:cNvPr id="5" name="日期占位符 4">
             <a:extLst>
               <a:ext uri="{FF2B5EF4-FFF2-40B4-BE49-F238E27FC236}">
-                <a16:creationId xmlns:a16="http://schemas.microsoft.com/office/drawing/2014/main" id="{17B37025-7048-C2C1-55B0-B1BA65ECDDC2}"/>
+                <a16:creationId xmlns:a16="http://schemas.microsoft.com/office/drawing/2014/main" id="{B6F781D5-BB40-D525-FE74-550275108ECC}"/>
               </a:ext>
             </a:extLst>
           </p:cNvPr>
@@ -1396,7 +1396,7 @@
           <a:bodyPr/>
           <a:lstStyle/>
           <a:p>
-            <a:fld id="{E55EC8CA-41A0-4C8F-97F3-817D8649297D}" type="datetimeFigureOut">
+            <a:fld id="{0E733374-7D55-4D58-9EDE-CF0C1F04329F}" type="datetimeFigureOut">
               <a:rPr lang="zh-CN" altLang="en-US" smtClean="0"/>
               <a:t>2024/3/10</a:t>
             </a:fld>
@@ -1409,7 +1409,7 @@
           <p:cNvPr id="6" name="页脚占位符 5">
             <a:extLst>
               <a:ext uri="{FF2B5EF4-FFF2-40B4-BE49-F238E27FC236}">
-                <a16:creationId xmlns:a16="http://schemas.microsoft.com/office/drawing/2014/main" id="{79C13E16-A1B5-268F-7815-DB080391C160}"/>
+                <a16:creationId xmlns:a16="http://schemas.microsoft.com/office/drawing/2014/main" id="{7AE941A5-AF9B-A7F1-FD1E-931402A5B923}"/>
               </a:ext>
             </a:extLst>
           </p:cNvPr>
@@ -1434,7 +1434,7 @@
           <p:cNvPr id="7" name="灯片编号占位符 6">
             <a:extLst>
               <a:ext uri="{FF2B5EF4-FFF2-40B4-BE49-F238E27FC236}">
-                <a16:creationId xmlns:a16="http://schemas.microsoft.com/office/drawing/2014/main" id="{3573020B-5F36-DBED-3C04-4DA6012680B5}"/>
+                <a16:creationId xmlns:a16="http://schemas.microsoft.com/office/drawing/2014/main" id="{AF081545-A446-C22B-0977-511C953A4B0E}"/>
               </a:ext>
             </a:extLst>
           </p:cNvPr>
@@ -1450,7 +1450,7 @@
           <a:bodyPr/>
           <a:lstStyle/>
           <a:p>
-            <a:fld id="{E9E5CF36-CE74-4343-A4C7-6E78B6D0F042}" type="slidenum">
+            <a:fld id="{5FBFE05B-7B98-4FEA-B51B-59A71F1B32EB}" type="slidenum">
               <a:rPr lang="zh-CN" altLang="en-US" smtClean="0"/>
               <a:t>‹#›</a:t>
             </a:fld>
@@ -1461,7 +1461,7 @@
     </p:spTree>
     <p:extLst>
       <p:ext uri="{BB962C8B-B14F-4D97-AF65-F5344CB8AC3E}">
-        <p14:creationId xmlns:p14="http://schemas.microsoft.com/office/powerpoint/2010/main" val="594012043"/>
+        <p14:creationId xmlns:p14="http://schemas.microsoft.com/office/powerpoint/2010/main" val="1925428099"/>
       </p:ext>
     </p:extLst>
   </p:cSld>
@@ -1493,7 +1493,7 @@
           <p:cNvPr id="2" name="标题 1">
             <a:extLst>
               <a:ext uri="{FF2B5EF4-FFF2-40B4-BE49-F238E27FC236}">
-                <a16:creationId xmlns:a16="http://schemas.microsoft.com/office/drawing/2014/main" id="{8C498387-5020-17C2-8801-69B1C0029743}"/>
+                <a16:creationId xmlns:a16="http://schemas.microsoft.com/office/drawing/2014/main" id="{435E50DD-528A-8BF0-9584-1990B9007003}"/>
               </a:ext>
             </a:extLst>
           </p:cNvPr>
@@ -1526,7 +1526,7 @@
           <p:cNvPr id="3" name="文本占位符 2">
             <a:extLst>
               <a:ext uri="{FF2B5EF4-FFF2-40B4-BE49-F238E27FC236}">
-                <a16:creationId xmlns:a16="http://schemas.microsoft.com/office/drawing/2014/main" id="{F5D7441B-A8B5-26B8-D24E-07EECD7DB83D}"/>
+                <a16:creationId xmlns:a16="http://schemas.microsoft.com/office/drawing/2014/main" id="{32BCC6BD-0786-B39F-119A-56C7E7BBDA3F}"/>
               </a:ext>
             </a:extLst>
           </p:cNvPr>
@@ -1597,7 +1597,7 @@
           <p:cNvPr id="4" name="内容占位符 3">
             <a:extLst>
               <a:ext uri="{FF2B5EF4-FFF2-40B4-BE49-F238E27FC236}">
-                <a16:creationId xmlns:a16="http://schemas.microsoft.com/office/drawing/2014/main" id="{A4BD624D-49E5-6B06-73D2-1F20327E5CD1}"/>
+                <a16:creationId xmlns:a16="http://schemas.microsoft.com/office/drawing/2014/main" id="{F74787F3-4204-5C68-93CA-534518EF99AC}"/>
               </a:ext>
             </a:extLst>
           </p:cNvPr>
@@ -1659,7 +1659,7 @@
           <p:cNvPr id="5" name="文本占位符 4">
             <a:extLst>
               <a:ext uri="{FF2B5EF4-FFF2-40B4-BE49-F238E27FC236}">
-                <a16:creationId xmlns:a16="http://schemas.microsoft.com/office/drawing/2014/main" id="{53BECE35-14A2-7F31-5768-79432AAE450F}"/>
+                <a16:creationId xmlns:a16="http://schemas.microsoft.com/office/drawing/2014/main" id="{EF653C17-DFA0-3C02-B9A0-883D980CB9AA}"/>
               </a:ext>
             </a:extLst>
           </p:cNvPr>
@@ -1730,7 +1730,7 @@
           <p:cNvPr id="6" name="内容占位符 5">
             <a:extLst>
               <a:ext uri="{FF2B5EF4-FFF2-40B4-BE49-F238E27FC236}">
-                <a16:creationId xmlns:a16="http://schemas.microsoft.com/office/drawing/2014/main" id="{ABF23720-23BC-1387-4A89-34557E54C454}"/>
+                <a16:creationId xmlns:a16="http://schemas.microsoft.com/office/drawing/2014/main" id="{A6D983C1-79B6-3C15-328E-5C4A339EE5BB}"/>
               </a:ext>
             </a:extLst>
           </p:cNvPr>
@@ -1792,7 +1792,7 @@
           <p:cNvPr id="7" name="日期占位符 6">
             <a:extLst>
               <a:ext uri="{FF2B5EF4-FFF2-40B4-BE49-F238E27FC236}">
-                <a16:creationId xmlns:a16="http://schemas.microsoft.com/office/drawing/2014/main" id="{FC3E9035-915F-0DC6-393C-F8FEF8763FB6}"/>
+                <a16:creationId xmlns:a16="http://schemas.microsoft.com/office/drawing/2014/main" id="{A79FE14D-2027-443A-4FC7-7BA6A9819FC1}"/>
               </a:ext>
             </a:extLst>
           </p:cNvPr>
@@ -1808,7 +1808,7 @@
           <a:bodyPr/>
           <a:lstStyle/>
           <a:p>
-            <a:fld id="{E55EC8CA-41A0-4C8F-97F3-817D8649297D}" type="datetimeFigureOut">
+            <a:fld id="{0E733374-7D55-4D58-9EDE-CF0C1F04329F}" type="datetimeFigureOut">
               <a:rPr lang="zh-CN" altLang="en-US" smtClean="0"/>
               <a:t>2024/3/10</a:t>
             </a:fld>
@@ -1821,7 +1821,7 @@
           <p:cNvPr id="8" name="页脚占位符 7">
             <a:extLst>
               <a:ext uri="{FF2B5EF4-FFF2-40B4-BE49-F238E27FC236}">
-                <a16:creationId xmlns:a16="http://schemas.microsoft.com/office/drawing/2014/main" id="{F2895D64-3CFF-4B69-4472-A8D45E46500F}"/>
+                <a16:creationId xmlns:a16="http://schemas.microsoft.com/office/drawing/2014/main" id="{F8C8340E-82AD-7F06-FA88-B096B883CC3A}"/>
               </a:ext>
             </a:extLst>
           </p:cNvPr>
@@ -1846,7 +1846,7 @@
           <p:cNvPr id="9" name="灯片编号占位符 8">
             <a:extLst>
               <a:ext uri="{FF2B5EF4-FFF2-40B4-BE49-F238E27FC236}">
-                <a16:creationId xmlns:a16="http://schemas.microsoft.com/office/drawing/2014/main" id="{0EF3B035-94FE-DDCD-C2CA-2FD90C22CC58}"/>
+                <a16:creationId xmlns:a16="http://schemas.microsoft.com/office/drawing/2014/main" id="{4D9FABED-478A-EFA1-352D-427365847968}"/>
               </a:ext>
             </a:extLst>
           </p:cNvPr>
@@ -1862,7 +1862,7 @@
           <a:bodyPr/>
           <a:lstStyle/>
           <a:p>
-            <a:fld id="{E9E5CF36-CE74-4343-A4C7-6E78B6D0F042}" type="slidenum">
+            <a:fld id="{5FBFE05B-7B98-4FEA-B51B-59A71F1B32EB}" type="slidenum">
               <a:rPr lang="zh-CN" altLang="en-US" smtClean="0"/>
               <a:t>‹#›</a:t>
             </a:fld>
@@ -1873,7 +1873,7 @@
     </p:spTree>
     <p:extLst>
       <p:ext uri="{BB962C8B-B14F-4D97-AF65-F5344CB8AC3E}">
-        <p14:creationId xmlns:p14="http://schemas.microsoft.com/office/powerpoint/2010/main" val="2313739163"/>
+        <p14:creationId xmlns:p14="http://schemas.microsoft.com/office/powerpoint/2010/main" val="2306032259"/>
       </p:ext>
     </p:extLst>
   </p:cSld>
@@ -1905,7 +1905,7 @@
           <p:cNvPr id="2" name="标题 1">
             <a:extLst>
               <a:ext uri="{FF2B5EF4-FFF2-40B4-BE49-F238E27FC236}">
-                <a16:creationId xmlns:a16="http://schemas.microsoft.com/office/drawing/2014/main" id="{A3FD9167-E2C3-7BA6-F8EE-1C8D0F5710EE}"/>
+                <a16:creationId xmlns:a16="http://schemas.microsoft.com/office/drawing/2014/main" id="{7638E6AB-2C1F-5E75-D61A-E53F1CC807C6}"/>
               </a:ext>
             </a:extLst>
           </p:cNvPr>
@@ -1933,7 +1933,7 @@
           <p:cNvPr id="3" name="日期占位符 2">
             <a:extLst>
               <a:ext uri="{FF2B5EF4-FFF2-40B4-BE49-F238E27FC236}">
-                <a16:creationId xmlns:a16="http://schemas.microsoft.com/office/drawing/2014/main" id="{D1A5A5C2-EDE8-D5BD-FCF2-C34A03CAB900}"/>
+                <a16:creationId xmlns:a16="http://schemas.microsoft.com/office/drawing/2014/main" id="{8E693762-2238-8CAB-4F9B-E584B551BE4B}"/>
               </a:ext>
             </a:extLst>
           </p:cNvPr>
@@ -1949,7 +1949,7 @@
           <a:bodyPr/>
           <a:lstStyle/>
           <a:p>
-            <a:fld id="{E55EC8CA-41A0-4C8F-97F3-817D8649297D}" type="datetimeFigureOut">
+            <a:fld id="{0E733374-7D55-4D58-9EDE-CF0C1F04329F}" type="datetimeFigureOut">
               <a:rPr lang="zh-CN" altLang="en-US" smtClean="0"/>
               <a:t>2024/3/10</a:t>
             </a:fld>
@@ -1962,7 +1962,7 @@
           <p:cNvPr id="4" name="页脚占位符 3">
             <a:extLst>
               <a:ext uri="{FF2B5EF4-FFF2-40B4-BE49-F238E27FC236}">
-                <a16:creationId xmlns:a16="http://schemas.microsoft.com/office/drawing/2014/main" id="{AD179058-5345-FBB1-A4AE-70B4B849D4AD}"/>
+                <a16:creationId xmlns:a16="http://schemas.microsoft.com/office/drawing/2014/main" id="{954CE44B-E5AC-E69D-8CF0-EF7192FAE96B}"/>
               </a:ext>
             </a:extLst>
           </p:cNvPr>
@@ -1987,7 +1987,7 @@
           <p:cNvPr id="5" name="灯片编号占位符 4">
             <a:extLst>
               <a:ext uri="{FF2B5EF4-FFF2-40B4-BE49-F238E27FC236}">
-                <a16:creationId xmlns:a16="http://schemas.microsoft.com/office/drawing/2014/main" id="{0419D73A-5926-14C0-F238-0C2D72A62E2E}"/>
+                <a16:creationId xmlns:a16="http://schemas.microsoft.com/office/drawing/2014/main" id="{51CEE8D7-1895-5BF1-2C79-1475683CEFB2}"/>
               </a:ext>
             </a:extLst>
           </p:cNvPr>
@@ -2003,7 +2003,7 @@
           <a:bodyPr/>
           <a:lstStyle/>
           <a:p>
-            <a:fld id="{E9E5CF36-CE74-4343-A4C7-6E78B6D0F042}" type="slidenum">
+            <a:fld id="{5FBFE05B-7B98-4FEA-B51B-59A71F1B32EB}" type="slidenum">
               <a:rPr lang="zh-CN" altLang="en-US" smtClean="0"/>
               <a:t>‹#›</a:t>
             </a:fld>
@@ -2014,7 +2014,7 @@
     </p:spTree>
     <p:extLst>
       <p:ext uri="{BB962C8B-B14F-4D97-AF65-F5344CB8AC3E}">
-        <p14:creationId xmlns:p14="http://schemas.microsoft.com/office/powerpoint/2010/main" val="1447502169"/>
+        <p14:creationId xmlns:p14="http://schemas.microsoft.com/office/powerpoint/2010/main" val="2871158258"/>
       </p:ext>
     </p:extLst>
   </p:cSld>
@@ -2046,7 +2046,7 @@
           <p:cNvPr id="2" name="日期占位符 1">
             <a:extLst>
               <a:ext uri="{FF2B5EF4-FFF2-40B4-BE49-F238E27FC236}">
-                <a16:creationId xmlns:a16="http://schemas.microsoft.com/office/drawing/2014/main" id="{6D29B8A0-4481-D914-D792-33BAAAC0EE94}"/>
+                <a16:creationId xmlns:a16="http://schemas.microsoft.com/office/drawing/2014/main" id="{66CA5D60-FDBB-E0F0-3CFC-7537A121C6DE}"/>
               </a:ext>
             </a:extLst>
           </p:cNvPr>
@@ -2062,7 +2062,7 @@
           <a:bodyPr/>
           <a:lstStyle/>
           <a:p>
-            <a:fld id="{E55EC8CA-41A0-4C8F-97F3-817D8649297D}" type="datetimeFigureOut">
+            <a:fld id="{0E733374-7D55-4D58-9EDE-CF0C1F04329F}" type="datetimeFigureOut">
               <a:rPr lang="zh-CN" altLang="en-US" smtClean="0"/>
               <a:t>2024/3/10</a:t>
             </a:fld>
@@ -2075,7 +2075,7 @@
           <p:cNvPr id="3" name="页脚占位符 2">
             <a:extLst>
               <a:ext uri="{FF2B5EF4-FFF2-40B4-BE49-F238E27FC236}">
-                <a16:creationId xmlns:a16="http://schemas.microsoft.com/office/drawing/2014/main" id="{FB214D2E-31CB-D0BD-92A9-9ED5F68C8471}"/>
+                <a16:creationId xmlns:a16="http://schemas.microsoft.com/office/drawing/2014/main" id="{232B5C80-BEFF-925B-9627-EEF7FA3E566D}"/>
               </a:ext>
             </a:extLst>
           </p:cNvPr>
@@ -2100,7 +2100,7 @@
           <p:cNvPr id="4" name="灯片编号占位符 3">
             <a:extLst>
               <a:ext uri="{FF2B5EF4-FFF2-40B4-BE49-F238E27FC236}">
-                <a16:creationId xmlns:a16="http://schemas.microsoft.com/office/drawing/2014/main" id="{DE8E6D1D-FC6B-3305-891B-BC8A0A4A2BE8}"/>
+                <a16:creationId xmlns:a16="http://schemas.microsoft.com/office/drawing/2014/main" id="{90146A67-CFC5-5B92-1580-7B00F84579FE}"/>
               </a:ext>
             </a:extLst>
           </p:cNvPr>
@@ -2116,7 +2116,7 @@
           <a:bodyPr/>
           <a:lstStyle/>
           <a:p>
-            <a:fld id="{E9E5CF36-CE74-4343-A4C7-6E78B6D0F042}" type="slidenum">
+            <a:fld id="{5FBFE05B-7B98-4FEA-B51B-59A71F1B32EB}" type="slidenum">
               <a:rPr lang="zh-CN" altLang="en-US" smtClean="0"/>
               <a:t>‹#›</a:t>
             </a:fld>
@@ -2127,7 +2127,7 @@
     </p:spTree>
     <p:extLst>
       <p:ext uri="{BB962C8B-B14F-4D97-AF65-F5344CB8AC3E}">
-        <p14:creationId xmlns:p14="http://schemas.microsoft.com/office/powerpoint/2010/main" val="2656036497"/>
+        <p14:creationId xmlns:p14="http://schemas.microsoft.com/office/powerpoint/2010/main" val="2695529638"/>
       </p:ext>
     </p:extLst>
   </p:cSld>
@@ -2159,7 +2159,7 @@
           <p:cNvPr id="2" name="标题 1">
             <a:extLst>
               <a:ext uri="{FF2B5EF4-FFF2-40B4-BE49-F238E27FC236}">
-                <a16:creationId xmlns:a16="http://schemas.microsoft.com/office/drawing/2014/main" id="{7B2290C8-66AA-F921-1E52-3A630EF8D6C8}"/>
+                <a16:creationId xmlns:a16="http://schemas.microsoft.com/office/drawing/2014/main" id="{DE48B3CA-FC67-489D-5D82-004B3C1CCF29}"/>
               </a:ext>
             </a:extLst>
           </p:cNvPr>
@@ -2196,7 +2196,7 @@
           <p:cNvPr id="3" name="内容占位符 2">
             <a:extLst>
               <a:ext uri="{FF2B5EF4-FFF2-40B4-BE49-F238E27FC236}">
-                <a16:creationId xmlns:a16="http://schemas.microsoft.com/office/drawing/2014/main" id="{AB435393-04DA-A0C7-E63B-369B5C18C86E}"/>
+                <a16:creationId xmlns:a16="http://schemas.microsoft.com/office/drawing/2014/main" id="{15AA29FC-785E-710F-5B93-DB2140BF3BED}"/>
               </a:ext>
             </a:extLst>
           </p:cNvPr>
@@ -2286,7 +2286,7 @@
           <p:cNvPr id="4" name="文本占位符 3">
             <a:extLst>
               <a:ext uri="{FF2B5EF4-FFF2-40B4-BE49-F238E27FC236}">
-                <a16:creationId xmlns:a16="http://schemas.microsoft.com/office/drawing/2014/main" id="{CB1FEE09-16EF-1B5A-3E55-E13C2BE854CA}"/>
+                <a16:creationId xmlns:a16="http://schemas.microsoft.com/office/drawing/2014/main" id="{40902CD6-2011-9606-ECDA-8180D7C9BE77}"/>
               </a:ext>
             </a:extLst>
           </p:cNvPr>
@@ -2357,7 +2357,7 @@
           <p:cNvPr id="5" name="日期占位符 4">
             <a:extLst>
               <a:ext uri="{FF2B5EF4-FFF2-40B4-BE49-F238E27FC236}">
-                <a16:creationId xmlns:a16="http://schemas.microsoft.com/office/drawing/2014/main" id="{3250A87F-5F72-2571-CE9B-21FEA982CDDF}"/>
+                <a16:creationId xmlns:a16="http://schemas.microsoft.com/office/drawing/2014/main" id="{3D40D81F-7076-D47F-1930-DEE86C97805A}"/>
               </a:ext>
             </a:extLst>
           </p:cNvPr>
@@ -2373,7 +2373,7 @@
           <a:bodyPr/>
           <a:lstStyle/>
           <a:p>
-            <a:fld id="{E55EC8CA-41A0-4C8F-97F3-817D8649297D}" type="datetimeFigureOut">
+            <a:fld id="{0E733374-7D55-4D58-9EDE-CF0C1F04329F}" type="datetimeFigureOut">
               <a:rPr lang="zh-CN" altLang="en-US" smtClean="0"/>
               <a:t>2024/3/10</a:t>
             </a:fld>
@@ -2386,7 +2386,7 @@
           <p:cNvPr id="6" name="页脚占位符 5">
             <a:extLst>
               <a:ext uri="{FF2B5EF4-FFF2-40B4-BE49-F238E27FC236}">
-                <a16:creationId xmlns:a16="http://schemas.microsoft.com/office/drawing/2014/main" id="{FAB5808B-B953-A423-D6E5-DAE494D8A48A}"/>
+                <a16:creationId xmlns:a16="http://schemas.microsoft.com/office/drawing/2014/main" id="{1E25473E-451E-D9CE-115C-A6A4465E7B73}"/>
               </a:ext>
             </a:extLst>
           </p:cNvPr>
@@ -2411,7 +2411,7 @@
           <p:cNvPr id="7" name="灯片编号占位符 6">
             <a:extLst>
               <a:ext uri="{FF2B5EF4-FFF2-40B4-BE49-F238E27FC236}">
-                <a16:creationId xmlns:a16="http://schemas.microsoft.com/office/drawing/2014/main" id="{B585A8CC-365E-7139-D141-0B518AC0444E}"/>
+                <a16:creationId xmlns:a16="http://schemas.microsoft.com/office/drawing/2014/main" id="{3FCA9774-D4AF-2DBF-22A7-A753A6952ABE}"/>
               </a:ext>
             </a:extLst>
           </p:cNvPr>
@@ -2427,7 +2427,7 @@
           <a:bodyPr/>
           <a:lstStyle/>
           <a:p>
-            <a:fld id="{E9E5CF36-CE74-4343-A4C7-6E78B6D0F042}" type="slidenum">
+            <a:fld id="{5FBFE05B-7B98-4FEA-B51B-59A71F1B32EB}" type="slidenum">
               <a:rPr lang="zh-CN" altLang="en-US" smtClean="0"/>
               <a:t>‹#›</a:t>
             </a:fld>
@@ -2438,7 +2438,7 @@
     </p:spTree>
     <p:extLst>
       <p:ext uri="{BB962C8B-B14F-4D97-AF65-F5344CB8AC3E}">
-        <p14:creationId xmlns:p14="http://schemas.microsoft.com/office/powerpoint/2010/main" val="2529420011"/>
+        <p14:creationId xmlns:p14="http://schemas.microsoft.com/office/powerpoint/2010/main" val="3164384145"/>
       </p:ext>
     </p:extLst>
   </p:cSld>
@@ -2470,7 +2470,7 @@
           <p:cNvPr id="2" name="标题 1">
             <a:extLst>
               <a:ext uri="{FF2B5EF4-FFF2-40B4-BE49-F238E27FC236}">
-                <a16:creationId xmlns:a16="http://schemas.microsoft.com/office/drawing/2014/main" id="{AB53F97C-8A11-40D3-71D9-B7DB9ED6AFC8}"/>
+                <a16:creationId xmlns:a16="http://schemas.microsoft.com/office/drawing/2014/main" id="{83455C0B-EAE7-FE3C-F940-B4D1B57064FB}"/>
               </a:ext>
             </a:extLst>
           </p:cNvPr>
@@ -2507,7 +2507,7 @@
           <p:cNvPr id="3" name="图片占位符 2">
             <a:extLst>
               <a:ext uri="{FF2B5EF4-FFF2-40B4-BE49-F238E27FC236}">
-                <a16:creationId xmlns:a16="http://schemas.microsoft.com/office/drawing/2014/main" id="{2532A79A-8625-E083-F61F-63049494CCE1}"/>
+                <a16:creationId xmlns:a16="http://schemas.microsoft.com/office/drawing/2014/main" id="{F63A574A-64E7-32A2-DC83-1894CA24676C}"/>
               </a:ext>
             </a:extLst>
           </p:cNvPr>
@@ -2574,7 +2574,7 @@
           <p:cNvPr id="4" name="文本占位符 3">
             <a:extLst>
               <a:ext uri="{FF2B5EF4-FFF2-40B4-BE49-F238E27FC236}">
-                <a16:creationId xmlns:a16="http://schemas.microsoft.com/office/drawing/2014/main" id="{D37CD059-75AD-3567-D48C-B462075DC1F4}"/>
+                <a16:creationId xmlns:a16="http://schemas.microsoft.com/office/drawing/2014/main" id="{1EA8804F-5A17-4ABF-407D-2C08CF36BE7B}"/>
               </a:ext>
             </a:extLst>
           </p:cNvPr>
@@ -2645,7 +2645,7 @@
           <p:cNvPr id="5" name="日期占位符 4">
             <a:extLst>
               <a:ext uri="{FF2B5EF4-FFF2-40B4-BE49-F238E27FC236}">
-                <a16:creationId xmlns:a16="http://schemas.microsoft.com/office/drawing/2014/main" id="{D2BC97FA-EB9A-9178-03CD-B3567C837EA9}"/>
+                <a16:creationId xmlns:a16="http://schemas.microsoft.com/office/drawing/2014/main" id="{8D1FADD9-0375-7CF9-C29C-F2FD047AD5B8}"/>
               </a:ext>
             </a:extLst>
           </p:cNvPr>
@@ -2661,7 +2661,7 @@
           <a:bodyPr/>
           <a:lstStyle/>
           <a:p>
-            <a:fld id="{E55EC8CA-41A0-4C8F-97F3-817D8649297D}" type="datetimeFigureOut">
+            <a:fld id="{0E733374-7D55-4D58-9EDE-CF0C1F04329F}" type="datetimeFigureOut">
               <a:rPr lang="zh-CN" altLang="en-US" smtClean="0"/>
               <a:t>2024/3/10</a:t>
             </a:fld>
@@ -2674,7 +2674,7 @@
           <p:cNvPr id="6" name="页脚占位符 5">
             <a:extLst>
               <a:ext uri="{FF2B5EF4-FFF2-40B4-BE49-F238E27FC236}">
-                <a16:creationId xmlns:a16="http://schemas.microsoft.com/office/drawing/2014/main" id="{289BA93D-FC97-DF92-C1AC-407D78B7B421}"/>
+                <a16:creationId xmlns:a16="http://schemas.microsoft.com/office/drawing/2014/main" id="{8F89B109-28AD-B5DF-D62A-8FCD64233BC8}"/>
               </a:ext>
             </a:extLst>
           </p:cNvPr>
@@ -2699,7 +2699,7 @@
           <p:cNvPr id="7" name="灯片编号占位符 6">
             <a:extLst>
               <a:ext uri="{FF2B5EF4-FFF2-40B4-BE49-F238E27FC236}">
-                <a16:creationId xmlns:a16="http://schemas.microsoft.com/office/drawing/2014/main" id="{A46FC533-2671-80B3-4203-8FC01B67AAFB}"/>
+                <a16:creationId xmlns:a16="http://schemas.microsoft.com/office/drawing/2014/main" id="{94EA902D-8D8D-E08C-268D-C80B0F63D1A1}"/>
               </a:ext>
             </a:extLst>
           </p:cNvPr>
@@ -2715,7 +2715,7 @@
           <a:bodyPr/>
           <a:lstStyle/>
           <a:p>
-            <a:fld id="{E9E5CF36-CE74-4343-A4C7-6E78B6D0F042}" type="slidenum">
+            <a:fld id="{5FBFE05B-7B98-4FEA-B51B-59A71F1B32EB}" type="slidenum">
               <a:rPr lang="zh-CN" altLang="en-US" smtClean="0"/>
               <a:t>‹#›</a:t>
             </a:fld>
@@ -2726,7 +2726,7 @@
     </p:spTree>
     <p:extLst>
       <p:ext uri="{BB962C8B-B14F-4D97-AF65-F5344CB8AC3E}">
-        <p14:creationId xmlns:p14="http://schemas.microsoft.com/office/powerpoint/2010/main" val="1146497842"/>
+        <p14:creationId xmlns:p14="http://schemas.microsoft.com/office/powerpoint/2010/main" val="993944997"/>
       </p:ext>
     </p:extLst>
   </p:cSld>
@@ -2763,7 +2763,7 @@
           <p:cNvPr id="2" name="标题占位符 1">
             <a:extLst>
               <a:ext uri="{FF2B5EF4-FFF2-40B4-BE49-F238E27FC236}">
-                <a16:creationId xmlns:a16="http://schemas.microsoft.com/office/drawing/2014/main" id="{D19915D1-986A-BC9E-FF9D-157F453F6D4C}"/>
+                <a16:creationId xmlns:a16="http://schemas.microsoft.com/office/drawing/2014/main" id="{E3DCF6C9-507D-4967-D368-8B59C2D3F6EC}"/>
               </a:ext>
             </a:extLst>
           </p:cNvPr>
@@ -2801,7 +2801,7 @@
           <p:cNvPr id="3" name="文本占位符 2">
             <a:extLst>
               <a:ext uri="{FF2B5EF4-FFF2-40B4-BE49-F238E27FC236}">
-                <a16:creationId xmlns:a16="http://schemas.microsoft.com/office/drawing/2014/main" id="{EE409A81-5FE4-BD28-8037-992FB2B1560E}"/>
+                <a16:creationId xmlns:a16="http://schemas.microsoft.com/office/drawing/2014/main" id="{B8E33B82-4564-8939-605C-CB13CCDFC712}"/>
               </a:ext>
             </a:extLst>
           </p:cNvPr>
@@ -2868,7 +2868,7 @@
           <p:cNvPr id="4" name="日期占位符 3">
             <a:extLst>
               <a:ext uri="{FF2B5EF4-FFF2-40B4-BE49-F238E27FC236}">
-                <a16:creationId xmlns:a16="http://schemas.microsoft.com/office/drawing/2014/main" id="{9D8F016A-C81F-00C8-AA67-54EDA0DCCA2A}"/>
+                <a16:creationId xmlns:a16="http://schemas.microsoft.com/office/drawing/2014/main" id="{78402313-BDF1-DE18-131E-0EFC334600E4}"/>
               </a:ext>
             </a:extLst>
           </p:cNvPr>
@@ -2902,7 +2902,7 @@
             </a:lvl1pPr>
           </a:lstStyle>
           <a:p>
-            <a:fld id="{E55EC8CA-41A0-4C8F-97F3-817D8649297D}" type="datetimeFigureOut">
+            <a:fld id="{0E733374-7D55-4D58-9EDE-CF0C1F04329F}" type="datetimeFigureOut">
               <a:rPr lang="zh-CN" altLang="en-US" smtClean="0"/>
               <a:t>2024/3/10</a:t>
             </a:fld>
@@ -2915,7 +2915,7 @@
           <p:cNvPr id="5" name="页脚占位符 4">
             <a:extLst>
               <a:ext uri="{FF2B5EF4-FFF2-40B4-BE49-F238E27FC236}">
-                <a16:creationId xmlns:a16="http://schemas.microsoft.com/office/drawing/2014/main" id="{C1F72046-874B-09F2-0792-B651525E09D1}"/>
+                <a16:creationId xmlns:a16="http://schemas.microsoft.com/office/drawing/2014/main" id="{415DC097-FA35-4E60-0972-A65F1F7475E4}"/>
               </a:ext>
             </a:extLst>
           </p:cNvPr>
@@ -2958,7 +2958,7 @@
           <p:cNvPr id="6" name="灯片编号占位符 5">
             <a:extLst>
               <a:ext uri="{FF2B5EF4-FFF2-40B4-BE49-F238E27FC236}">
-                <a16:creationId xmlns:a16="http://schemas.microsoft.com/office/drawing/2014/main" id="{B9CD2C1A-9A26-4F6C-F4F5-3B087518D817}"/>
+                <a16:creationId xmlns:a16="http://schemas.microsoft.com/office/drawing/2014/main" id="{9DE34E09-A862-9760-2FD2-06034B96E908}"/>
               </a:ext>
             </a:extLst>
           </p:cNvPr>
@@ -2992,7 +2992,7 @@
             </a:lvl1pPr>
           </a:lstStyle>
           <a:p>
-            <a:fld id="{E9E5CF36-CE74-4343-A4C7-6E78B6D0F042}" type="slidenum">
+            <a:fld id="{5FBFE05B-7B98-4FEA-B51B-59A71F1B32EB}" type="slidenum">
               <a:rPr lang="zh-CN" altLang="en-US" smtClean="0"/>
               <a:t>‹#›</a:t>
             </a:fld>
@@ -3003,7 +3003,7 @@
     </p:spTree>
     <p:extLst>
       <p:ext uri="{BB962C8B-B14F-4D97-AF65-F5344CB8AC3E}">
-        <p14:creationId xmlns:p14="http://schemas.microsoft.com/office/powerpoint/2010/main" val="2628102985"/>
+        <p14:creationId xmlns:p14="http://schemas.microsoft.com/office/powerpoint/2010/main" val="3588726978"/>
       </p:ext>
     </p:extLst>
   </p:cSld>
@@ -3323,7 +3323,7 @@
       </p:grpSpPr>
       <p:pic>
         <p:nvPicPr>
-          <p:cNvPr id="822274" name="Picture 2" descr="802"/>
+          <p:cNvPr id="823298" name="Picture 2" descr="803"/>
           <p:cNvPicPr>
             <a:picLocks noChangeAspect="1" noChangeArrowheads="1"/>
           </p:cNvPicPr>
